--- a/presentation/presentation_Fabian.pptx
+++ b/presentation/presentation_Fabian.pptx
@@ -4790,8 +4790,16 @@
           </a:p>
           <a:p>
             <a:r>
+              <a:rPr lang="en-GB" smtClean="0"/>
+              <a:t>Save </a:t>
+            </a:r>
+            <a:r>
+              <a:rPr lang="en-GB" smtClean="0"/>
+              <a:t>evacuation </a:t>
+            </a:r>
+            <a:r>
               <a:rPr lang="en-GB" dirty="0" smtClean="0"/>
-              <a:t>Save the overall evacuation time by adjusting:</a:t>
+              <a:t>time by adjusting:</a:t>
             </a:r>
           </a:p>
           <a:p>

--- a/presentation/presentation_Fabian.pptx
+++ b/presentation/presentation_Fabian.pptx
@@ -4789,26 +4789,52 @@
             <a:endParaRPr lang="en-GB" dirty="0" smtClean="0"/>
           </a:p>
           <a:p>
-            <a:r>
-              <a:rPr lang="en-GB" smtClean="0"/>
-              <a:t>Save </a:t>
-            </a:r>
-            <a:r>
-              <a:rPr lang="en-GB" smtClean="0"/>
-              <a:t>evacuation </a:t>
-            </a:r>
-            <a:r>
-              <a:rPr lang="en-GB" dirty="0" smtClean="0"/>
-              <a:t>time by adjusting:</a:t>
-            </a:r>
-          </a:p>
-          <a:p>
             <a:pPr marL="109728" indent="0">
               <a:buNone/>
             </a:pPr>
             <a:r>
               <a:rPr lang="en-GB" dirty="0" smtClean="0"/>
+              <a:t>Does the adjustment of the</a:t>
+            </a:r>
+          </a:p>
+          <a:p>
+            <a:pPr>
+              <a:buFont typeface="Arial" pitchFamily="34" charset="0"/>
+              <a:buChar char="•"/>
+            </a:pPr>
+            <a:r>
+              <a:rPr lang="en-GB" dirty="0" smtClean="0"/>
               <a:t>Room disposition</a:t>
+            </a:r>
+          </a:p>
+          <a:p>
+            <a:pPr>
+              <a:buFont typeface="Arial" pitchFamily="34" charset="0"/>
+              <a:buChar char="•"/>
+            </a:pPr>
+            <a:r>
+              <a:rPr lang="en-GB" dirty="0" smtClean="0"/>
+              <a:t>Bottlenecks</a:t>
+            </a:r>
+          </a:p>
+          <a:p>
+            <a:pPr>
+              <a:buFont typeface="Arial" pitchFamily="34" charset="0"/>
+              <a:buChar char="•"/>
+            </a:pPr>
+            <a:r>
+              <a:rPr lang="en-GB" dirty="0" smtClean="0"/>
+              <a:t>Rescue boats</a:t>
+            </a:r>
+          </a:p>
+          <a:p>
+            <a:pPr>
+              <a:buFont typeface="Arial" pitchFamily="34" charset="0"/>
+              <a:buChar char="•"/>
+            </a:pPr>
+            <a:r>
+              <a:rPr lang="en-GB" dirty="0" smtClean="0"/>
+              <a:t>Passenger flow (controlled flow)</a:t>
             </a:r>
           </a:p>
           <a:p>
@@ -4817,25 +4843,7 @@
             </a:pPr>
             <a:r>
               <a:rPr lang="en-GB" dirty="0" smtClean="0"/>
-              <a:t>Bottlenecks</a:t>
-            </a:r>
-          </a:p>
-          <a:p>
-            <a:pPr marL="109728" indent="0">
-              <a:buNone/>
-            </a:pPr>
-            <a:r>
-              <a:rPr lang="en-GB" dirty="0" smtClean="0"/>
-              <a:t>Rescue boats</a:t>
-            </a:r>
-          </a:p>
-          <a:p>
-            <a:pPr marL="109728" indent="0">
-              <a:buNone/>
-            </a:pPr>
-            <a:r>
-              <a:rPr lang="en-GB" dirty="0" smtClean="0"/>
-              <a:t>Controlled flow</a:t>
+              <a:t>saves evacuation time?</a:t>
             </a:r>
             <a:endParaRPr lang="en-GB" dirty="0"/>
           </a:p>
@@ -5006,7 +5014,7 @@
                                         <p:tgtEl>
                                           <p:spTgt spid="2">
                                             <p:txEl>
-                                              <p:pRg st="1" end="1"/>
+                                              <p:pRg st="2" end="2"/>
                                             </p:txEl>
                                           </p:spTgt>
                                         </p:tgtEl>
@@ -5055,7 +5063,7 @@
                                         <p:tgtEl>
                                           <p:spTgt spid="2">
                                             <p:txEl>
-                                              <p:pRg st="2" end="2"/>
+                                              <p:pRg st="3" end="3"/>
                                             </p:txEl>
                                           </p:spTgt>
                                         </p:tgtEl>
@@ -5104,7 +5112,7 @@
                                         <p:tgtEl>
                                           <p:spTgt spid="2">
                                             <p:txEl>
-                                              <p:pRg st="3" end="3"/>
+                                              <p:pRg st="4" end="4"/>
                                             </p:txEl>
                                           </p:spTgt>
                                         </p:tgtEl>
@@ -5146,55 +5154,6 @@
                                     <p:set>
                                       <p:cBhvr>
                                         <p:cTn id="18" dur="1" fill="hold">
-                                          <p:stCondLst>
-                                            <p:cond delay="0"/>
-                                          </p:stCondLst>
-                                        </p:cTn>
-                                        <p:tgtEl>
-                                          <p:spTgt spid="2">
-                                            <p:txEl>
-                                              <p:pRg st="4" end="4"/>
-                                            </p:txEl>
-                                          </p:spTgt>
-                                        </p:tgtEl>
-                                        <p:attrNameLst>
-                                          <p:attrName>style.visibility</p:attrName>
-                                        </p:attrNameLst>
-                                      </p:cBhvr>
-                                      <p:to>
-                                        <p:strVal val="visible"/>
-                                      </p:to>
-                                    </p:set>
-                                  </p:childTnLst>
-                                </p:cTn>
-                              </p:par>
-                            </p:childTnLst>
-                          </p:cTn>
-                        </p:par>
-                      </p:childTnLst>
-                    </p:cTn>
-                  </p:par>
-                  <p:par>
-                    <p:cTn id="19" fill="hold">
-                      <p:stCondLst>
-                        <p:cond delay="indefinite"/>
-                      </p:stCondLst>
-                      <p:childTnLst>
-                        <p:par>
-                          <p:cTn id="20" fill="hold">
-                            <p:stCondLst>
-                              <p:cond delay="0"/>
-                            </p:stCondLst>
-                            <p:childTnLst>
-                              <p:par>
-                                <p:cTn id="21" presetID="1" presetClass="entr" presetSubtype="0" fill="hold" grpId="0" nodeType="clickEffect">
-                                  <p:stCondLst>
-                                    <p:cond delay="0"/>
-                                  </p:stCondLst>
-                                  <p:childTnLst>
-                                    <p:set>
-                                      <p:cBhvr>
-                                        <p:cTn id="22" dur="1" fill="hold">
                                           <p:stCondLst>
                                             <p:cond delay="0"/>
                                           </p:stCondLst>
@@ -5245,7 +5204,7 @@
       </p:par>
     </p:tnLst>
     <p:bldLst>
-      <p:bldP spid="2" grpId="0" build="p"/>
+      <p:bldP spid="2" grpId="0" uiExpand="1" build="p"/>
     </p:bldLst>
   </p:timing>
 </p:sld>
